--- a/TermProject/TermProject.pptx
+++ b/TermProject/TermProject.pptx
@@ -1,12 +1,13 @@
 
 <file path=ppt/presentation.xml><?xml version="1.0" encoding="utf-8"?>
-<p:presentation xmlns:a="http://schemas.openxmlformats.org/drawingml/2006/main" xmlns:r="http://schemas.openxmlformats.org/officeDocument/2006/relationships" xmlns:p="http://schemas.openxmlformats.org/presentationml/2006/main" saveSubsetFonts="1">
+<p:presentation xmlns:r="http://schemas.openxmlformats.org/officeDocument/2006/relationships" xmlns:c="http://schemas.openxmlformats.org/drawingml/2006/chart" xmlns:a="http://schemas.openxmlformats.org/drawingml/2006/main" xmlns:dgm="http://schemas.openxmlformats.org/drawingml/2006/diagram" xmlns:dsp="http://schemas.microsoft.com/office/drawing/2008/diagram" xmlns:p="http://schemas.openxmlformats.org/presentationml/2006/main" saveSubsetFonts="1">
   <p:sldMasterIdLst>
-    <p:sldMasterId id="2147483660" r:id="rId1"/>
+    <p:sldMasterId id="2147483672" r:id="rId1"/>
   </p:sldMasterIdLst>
   <p:sldIdLst>
-    <p:sldId id="257" r:id="rId2"/>
-    <p:sldId id="256" r:id="rId3"/>
+    <p:sldId id="256" r:id="rId2"/>
+    <p:sldId id="257" r:id="rId3"/>
+    <p:sldId id="258" r:id="rId4"/>
   </p:sldIdLst>
   <p:sldSz cx="9144000" cy="6858000" type="screen4x3"/>
   <p:notesSz cx="6858000" cy="9144000"/>
@@ -3838,53 +3839,138 @@
 </p:sld>
 </file>
 
+<file path=ppt/slides/slide3.xml><?xml version="1.0" encoding="utf-8"?>
+<p:sld xmlns:r="http://schemas.openxmlformats.org/officeDocument/2006/relationships" xmlns:c="http://schemas.openxmlformats.org/drawingml/2006/chart" xmlns:a="http://schemas.openxmlformats.org/drawingml/2006/main" xmlns:dgm="http://schemas.openxmlformats.org/drawingml/2006/diagram" xmlns:dsp="http://schemas.microsoft.com/office/drawing/2008/diagram" xmlns:p="http://schemas.openxmlformats.org/presentationml/2006/main">
+  <p:cSld>
+    <p:spTree>
+      <p:nvGrpSpPr>
+        <p:cNvPr id="1" name=""/>
+        <p:cNvGrpSpPr/>
+        <p:nvPr/>
+      </p:nvGrpSpPr>
+      <p:grpSpPr>
+        <a:xfrm>
+          <a:off x="0" y="0"/>
+          <a:ext cx="0" cy="0"/>
+          <a:chOff x="0" y="0"/>
+          <a:chExt cx="0" cy="0"/>
+        </a:xfrm>
+      </p:grpSpPr>
+      <p:sp>
+        <p:nvSpPr>
+          <p:cNvPr id="2" name="Title 1"/>
+          <p:cNvSpPr>
+            <a:spLocks noGrp="1"/>
+          </p:cNvSpPr>
+          <p:nvPr>
+            <p:ph type="title" idx="0"/>
+          </p:nvPr>
+        </p:nvSpPr>
+        <p:spPr/>
+        <p:txBody>
+          <a:bodyPr/>
+          <a:lstStyle/>
+          <a:p>
+            <a:pPr algn="ctr">
+              <a:defRPr lang="ko-KR" altLang="en-US"/>
+            </a:pPr>
+            <a:r>
+              <a:rPr lang="ko-KR" altLang="en-US"/>
+              <a:t>자료수집</a:t>
+            </a:r>
+            <a:endParaRPr lang="ko-KR" altLang="en-US"/>
+          </a:p>
+        </p:txBody>
+      </p:sp>
+      <p:sp>
+        <p:nvSpPr>
+          <p:cNvPr id="3" name="Content Placeholder 2"/>
+          <p:cNvSpPr>
+            <a:spLocks noGrp="1"/>
+          </p:cNvSpPr>
+          <p:nvPr>
+            <p:ph idx="1"/>
+          </p:nvPr>
+        </p:nvSpPr>
+        <p:spPr/>
+        <p:txBody>
+          <a:bodyPr/>
+          <a:lstStyle/>
+          <a:p>
+            <a:pPr>
+              <a:defRPr lang="ko-KR" altLang="en-US"/>
+            </a:pPr>
+            <a:r>
+              <a:rPr lang="en-US" altLang="en-US" sz="2500"/>
+              <a:t>https://data.gg.go.kr/portal/data/service/selectServicePage.do?page=1&amp;rows=10&amp;sortColumn=&amp;sortDirection=&amp;infId=3NPA52LBMO36CQEQ1GMY28894927&amp;infSeq=1&amp;order=&amp;loc=&amp;SIGUN_NM=&amp;CMPNM_NM=&amp;INDUTYPE_NM=&amp;REFINE_ROADNM_ADDR=&amp;REFINE_LOTNO_ADDR=</a:t>
+            </a:r>
+            <a:endParaRPr lang="en-US" altLang="en-US" sz="2500"/>
+          </a:p>
+        </p:txBody>
+      </p:sp>
+    </p:spTree>
+  </p:cSld>
+  <p:clrMapOvr>
+    <a:masterClrMapping/>
+  </p:clrMapOvr>
+  <mc:AlternateContent xmlns:mc="http://schemas.openxmlformats.org/markup-compatibility/2006">
+    <mc:Choice xmlns:p14="http://schemas.microsoft.com/office/powerpoint/2010/main" Requires="p14">
+      <p:transition xmlns:mc="http://schemas.openxmlformats.org/markup-compatibility/2006" xmlns:p14="http://schemas.microsoft.com/office/powerpoint/2010/main" mc:Ignorable="p14" p14:dur="500"/>
+    </mc:Choice>
+    <mc:Fallback>
+      <p:transition/>
+    </mc:Fallback>
+  </mc:AlternateContent>
+</p:sld>
+</file>
+
 <file path=ppt/theme/theme1.xml><?xml version="1.0" encoding="utf-8"?>
-<a:theme xmlns:a="http://schemas.openxmlformats.org/drawingml/2006/main" name="Office 테마">
+<a:theme xmlns:r="http://schemas.openxmlformats.org/officeDocument/2006/relationships" xmlns:c="http://schemas.openxmlformats.org/drawingml/2006/chart" xmlns:dgm="http://schemas.openxmlformats.org/drawingml/2006/diagram" xmlns:dsp="http://schemas.microsoft.com/office/drawing/2008/diagram" xmlns:a="http://schemas.openxmlformats.org/drawingml/2006/main" xmlns:pic="http://schemas.openxmlformats.org/drawingml/2006/picture" xmlns:wp="http://schemas.openxmlformats.org/drawingml/2006/wordprocessingDrawing" xmlns:xdr="http://schemas.openxmlformats.org/drawingml/2006/spreadsheetDrawing" name="Office 테마">
   <a:themeElements>
     <a:clrScheme name="Office 테마">
       <a:dk1>
         <a:sysClr val="windowText" lastClr="000000"/>
       </a:dk1>
       <a:lt1>
-        <a:sysClr val="window" lastClr="FFFFFF"/>
+        <a:sysClr val="window" lastClr="ffffff"/>
       </a:lt1>
       <a:dk2>
-        <a:srgbClr val="44546A"/>
+        <a:srgbClr val="44546a"/>
       </a:dk2>
       <a:lt2>
-        <a:srgbClr val="E7E6E6"/>
+        <a:srgbClr val="e7e6e6"/>
       </a:lt2>
       <a:accent1>
-        <a:srgbClr val="4472C4"/>
+        <a:srgbClr val="4472c4"/>
       </a:accent1>
       <a:accent2>
-        <a:srgbClr val="ED7D31"/>
+        <a:srgbClr val="ed7d31"/>
       </a:accent2>
       <a:accent3>
-        <a:srgbClr val="A5A5A5"/>
+        <a:srgbClr val="a5a5a5"/>
       </a:accent3>
       <a:accent4>
-        <a:srgbClr val="FFC000"/>
+        <a:srgbClr val="ffc000"/>
       </a:accent4>
       <a:accent5>
-        <a:srgbClr val="5B9BD5"/>
+        <a:srgbClr val="5b9bd5"/>
       </a:accent5>
       <a:accent6>
-        <a:srgbClr val="70AD47"/>
+        <a:srgbClr val="70ad47"/>
       </a:accent6>
       <a:hlink>
-        <a:srgbClr val="0563C1"/>
+        <a:srgbClr val="0563c1"/>
       </a:hlink>
       <a:folHlink>
-        <a:srgbClr val="954F72"/>
+        <a:srgbClr val="954f72"/>
       </a:folHlink>
     </a:clrScheme>
     <a:fontScheme name="Office 테마">
       <a:majorFont>
-        <a:latin typeface="Calibri Light" panose="020F0302020204030204"/>
+        <a:latin typeface="Calibri Light" panose="20"/>
         <a:ea typeface=""/>
         <a:cs typeface=""/>
-        <a:font script="Jpan" typeface="游ゴシック Light"/>
+        <a:font script="Jpan" typeface="Yu Gothic Light"/>
         <a:font script="Hang" typeface="맑은 고딕"/>
         <a:font script="Hans" typeface="等线 Light"/>
         <a:font script="Hant" typeface="新細明體"/>
@@ -3916,10 +4002,10 @@
         <a:font script="Geor" typeface="Sylfaen"/>
       </a:majorFont>
       <a:minorFont>
-        <a:latin typeface="Calibri" panose="020F0502020204030204"/>
+        <a:latin typeface="Calibri" panose="20"/>
         <a:ea typeface=""/>
         <a:cs typeface=""/>
-        <a:font script="Jpan" typeface="游ゴシック"/>
+        <a:font script="Jpan" typeface="Yu Gothic"/>
         <a:font script="Hang" typeface="맑은 고딕"/>
         <a:font script="Hans" typeface="等线"/>
         <a:font script="Hant" typeface="新細明體"/>
@@ -4015,21 +4101,21 @@
             <a:schemeClr val="phClr"/>
           </a:solidFill>
           <a:prstDash val="solid"/>
-          <a:miter lim="800000"/>
+          <a:miter/>
         </a:ln>
         <a:ln w="12700" cap="flat" cmpd="sng" algn="ctr">
           <a:solidFill>
             <a:schemeClr val="phClr"/>
           </a:solidFill>
           <a:prstDash val="solid"/>
-          <a:miter lim="800000"/>
+          <a:miter/>
         </a:ln>
         <a:ln w="19050" cap="flat" cmpd="sng" algn="ctr">
           <a:solidFill>
             <a:schemeClr val="phClr"/>
           </a:solidFill>
           <a:prstDash val="solid"/>
-          <a:miter lim="800000"/>
+          <a:miter/>
         </a:ln>
       </a:lnStyleLst>
       <a:effectStyleLst>
@@ -4089,12 +4175,5 @@
       </a:bgFillStyleLst>
     </a:fmtScheme>
   </a:themeElements>
-  <a:objectDefaults/>
-  <a:extraClrSchemeLst/>
-  <a:extLst>
-    <a:ext uri="{05A4C25C-085E-4340-85A3-A5531E510DB2}">
-      <thm15:themeFamily xmlns:thm15="http://schemas.microsoft.com/office/thememl/2012/main" name="Office Theme" id="{62F939B6-93AF-4DB8-9C6B-D6C7DFDC589F}" vid="{4A3C46E8-61CC-4603-A589-7422A47A8E4A}"/>
-    </a:ext>
-  </a:extLst>
 </a:theme>
 </file>
--- a/TermProject/TermProject.pptx
+++ b/TermProject/TermProject.pptx
@@ -8,6 +8,7 @@
     <p:sldId id="256" r:id="rId2"/>
     <p:sldId id="257" r:id="rId3"/>
     <p:sldId id="258" r:id="rId4"/>
+    <p:sldId id="259" r:id="rId5"/>
   </p:sldIdLst>
   <p:sldSz cx="9144000" cy="6858000" type="screen4x3"/>
   <p:notesSz cx="6858000" cy="9144000"/>
@@ -2952,14 +2953,13 @@
 </file>
 
 <file path=ppt/slides/slide1.xml><?xml version="1.0" encoding="utf-8"?>
-<p:sld xmlns:a="http://schemas.openxmlformats.org/drawingml/2006/main" xmlns:r="http://schemas.openxmlformats.org/officeDocument/2006/relationships" xmlns:p="http://schemas.openxmlformats.org/presentationml/2006/main">
+<p:sld xmlns:r="http://schemas.openxmlformats.org/officeDocument/2006/relationships" xmlns:c="http://schemas.openxmlformats.org/drawingml/2006/chart" xmlns:a="http://schemas.openxmlformats.org/drawingml/2006/main" xmlns:dgm="http://schemas.openxmlformats.org/drawingml/2006/diagram" xmlns:dsp="http://schemas.microsoft.com/office/drawing/2008/diagram" xmlns:p="http://schemas.openxmlformats.org/presentationml/2006/main">
   <p:cSld>
     <p:bg>
-      <p:bgPr>
+      <p:bgPr shadeToTitle="0">
         <a:solidFill>
           <a:schemeClr val="bg1"/>
         </a:solidFill>
-        <a:effectLst/>
       </p:bgPr>
     </p:bg>
     <p:spTree>
@@ -2978,13 +2978,7 @@
       </p:grpSpPr>
       <p:sp>
         <p:nvSpPr>
-          <p:cNvPr id="8" name="직사각형 7">
-            <a:extLst>
-              <a:ext uri="{FF2B5EF4-FFF2-40B4-BE49-F238E27FC236}">
-                <a16:creationId xmlns:a16="http://schemas.microsoft.com/office/drawing/2014/main" id="{363D1849-095F-4B58-28CD-1DEAECE78BA8}"/>
-              </a:ext>
-            </a:extLst>
-          </p:cNvPr>
+          <p:cNvPr id="8" name="직사각형 7"/>
           <p:cNvSpPr/>
           <p:nvPr/>
         </p:nvSpPr>
@@ -3022,41 +3016,31 @@
           </a:fontRef>
         </p:style>
         <p:txBody>
-          <a:bodyPr rtlCol="0" anchor="ctr"/>
-          <a:lstStyle/>
-          <a:p>
-            <a:pPr algn="ctr"/>
+          <a:bodyPr anchor="ctr"/>
+          <a:lstStyle/>
+          <a:p>
+            <a:pPr algn="ctr">
+              <a:defRPr lang="ko-KR" altLang="en-US"/>
+            </a:pPr>
             <a:endParaRPr lang="ko-KR" altLang="en-US"/>
           </a:p>
         </p:txBody>
       </p:sp>
       <p:pic>
         <p:nvPicPr>
-          <p:cNvPr id="1026" name="Picture 2" descr="경기지역화폐 - Google Play 앱">
-            <a:extLst>
-              <a:ext uri="{FF2B5EF4-FFF2-40B4-BE49-F238E27FC236}">
-                <a16:creationId xmlns:a16="http://schemas.microsoft.com/office/drawing/2014/main" id="{ECF03490-2AA3-1982-22DF-2467201374BF}"/>
-              </a:ext>
-            </a:extLst>
-          </p:cNvPr>
+          <p:cNvPr id="1026" name="Picture 2" descr="경기지역화폐 - Google Play 앱"/>
           <p:cNvPicPr>
             <a:picLocks noChangeAspect="1" noChangeArrowheads="1"/>
           </p:cNvPicPr>
           <p:nvPr/>
         </p:nvPicPr>
-        <p:blipFill>
-          <a:blip r:embed="rId2">
-            <a:extLst>
-              <a:ext uri="{28A0092B-C50C-407E-A947-70E740481C1C}">
-                <a14:useLocalDpi xmlns:a14="http://schemas.microsoft.com/office/drawing/2010/main" val="0"/>
-              </a:ext>
-            </a:extLst>
-          </a:blip>
+        <p:blipFill rotWithShape="1">
+          <a:blip r:embed="rId2"/>
           <a:stretch>
             <a:fillRect/>
           </a:stretch>
         </p:blipFill>
-        <p:spPr bwMode="auto">
+        <p:spPr>
           <a:xfrm>
             <a:off x="0" y="0"/>
             <a:ext cx="9161499" cy="4473388"/>
@@ -3065,33 +3049,18 @@
             <a:avLst/>
           </a:prstGeom>
           <a:noFill/>
-          <a:extLst>
-            <a:ext uri="{909E8E84-426E-40DD-AFC4-6F175D3DCCD1}">
-              <a14:hiddenFill xmlns:a14="http://schemas.microsoft.com/office/drawing/2010/main">
-                <a:solidFill>
-                  <a:srgbClr val="FFFFFF"/>
-                </a:solidFill>
-              </a14:hiddenFill>
-            </a:ext>
-          </a:extLst>
         </p:spPr>
       </p:pic>
       <p:sp>
         <p:nvSpPr>
-          <p:cNvPr id="4" name="TextBox 3">
-            <a:extLst>
-              <a:ext uri="{FF2B5EF4-FFF2-40B4-BE49-F238E27FC236}">
-                <a16:creationId xmlns:a16="http://schemas.microsoft.com/office/drawing/2014/main" id="{8A507682-B67C-C2C8-21C1-4FB61ABA07B2}"/>
-              </a:ext>
-            </a:extLst>
-          </p:cNvPr>
+          <p:cNvPr id="4" name="TextBox 3"/>
           <p:cNvSpPr txBox="1"/>
           <p:nvPr/>
         </p:nvSpPr>
         <p:spPr>
           <a:xfrm>
             <a:off x="6822140" y="5692590"/>
-            <a:ext cx="2100255" cy="646331"/>
+            <a:ext cx="2079925" cy="646331"/>
           </a:xfrm>
           <a:prstGeom prst="rect">
             <a:avLst/>
@@ -3099,50 +3068,50 @@
           <a:noFill/>
         </p:spPr>
         <p:txBody>
-          <a:bodyPr wrap="none" rtlCol="0">
+          <a:bodyPr wrap="none">
             <a:spAutoFit/>
           </a:bodyPr>
           <a:lstStyle/>
           <a:p>
-            <a:r>
-              <a:rPr lang="en-US" altLang="ko-KR" dirty="0"/>
+            <a:pPr lvl="0">
+              <a:defRPr lang="ko-KR" altLang="en-US"/>
+            </a:pPr>
+            <a:r>
+              <a:rPr lang="en-US" altLang="ko-KR"/>
               <a:t>2019184026 </a:t>
             </a:r>
             <a:r>
-              <a:rPr lang="ko-KR" altLang="en-US" dirty="0"/>
+              <a:rPr lang="ko-KR" altLang="en-US"/>
               <a:t>이재윤</a:t>
             </a:r>
-            <a:endParaRPr lang="en-US" altLang="ko-KR" dirty="0"/>
-          </a:p>
-          <a:p>
-            <a:r>
-              <a:rPr lang="en-US" altLang="ko-KR" dirty="0"/>
+            <a:endParaRPr lang="ko-KR" altLang="en-US"/>
+          </a:p>
+          <a:p>
+            <a:pPr lvl="0">
+              <a:defRPr lang="ko-KR" altLang="en-US"/>
+            </a:pPr>
+            <a:r>
+              <a:rPr lang="en-US" altLang="ko-KR"/>
               <a:t>2019184036 </a:t>
             </a:r>
             <a:r>
-              <a:rPr lang="ko-KR" altLang="en-US" dirty="0" err="1"/>
+              <a:rPr lang="ko-KR" altLang="en-US"/>
               <a:t>홍명진</a:t>
             </a:r>
-            <a:endParaRPr lang="ko-KR" altLang="en-US" dirty="0"/>
-          </a:p>
-        </p:txBody>
-      </p:sp>
-      <p:sp>
-        <p:nvSpPr>
-          <p:cNvPr id="6" name="직사각형 5">
-            <a:extLst>
-              <a:ext uri="{FF2B5EF4-FFF2-40B4-BE49-F238E27FC236}">
-                <a16:creationId xmlns:a16="http://schemas.microsoft.com/office/drawing/2014/main" id="{D49E177A-F96A-66BE-86E7-E7E4441DD256}"/>
-              </a:ext>
-            </a:extLst>
-          </p:cNvPr>
+            <a:endParaRPr lang="ko-KR" altLang="en-US"/>
+          </a:p>
+        </p:txBody>
+      </p:sp>
+      <p:sp>
+        <p:nvSpPr>
+          <p:cNvPr id="6" name="직사각형 5"/>
           <p:cNvSpPr/>
           <p:nvPr/>
         </p:nvSpPr>
         <p:spPr>
           <a:xfrm>
-            <a:off x="926543" y="4742364"/>
-            <a:ext cx="7308411" cy="923330"/>
+            <a:off x="946785" y="4742364"/>
+            <a:ext cx="7240905" cy="904056"/>
           </a:xfrm>
           <a:prstGeom prst="rect">
             <a:avLst/>
@@ -3155,9 +3124,11 @@
           </a:bodyPr>
           <a:lstStyle/>
           <a:p>
-            <a:pPr algn="ctr"/>
-            <a:r>
-              <a:rPr lang="en-US" altLang="ko-KR" sz="5400" b="1" cap="none" spc="50" dirty="0">
+            <a:pPr algn="ctr">
+              <a:defRPr lang="ko-KR" altLang="en-US"/>
+            </a:pPr>
+            <a:r>
+              <a:rPr lang="en-US" altLang="ko-KR" sz="5400" b="1" cap="none" spc="50">
                 <a:ln w="9525" cmpd="sng">
                   <a:solidFill>
                     <a:schemeClr val="accent1"/>
@@ -3165,7 +3136,7 @@
                   <a:prstDash val="solid"/>
                 </a:ln>
                 <a:solidFill>
-                  <a:srgbClr val="70AD47">
+                  <a:srgbClr val="70ad47">
                     <a:tint val="1000"/>
                   </a:srgbClr>
                 </a:solidFill>
@@ -3180,7 +3151,7 @@
               <a:t>10</a:t>
             </a:r>
             <a:r>
-              <a:rPr lang="ko-KR" altLang="en-US" sz="5400" b="1" cap="none" spc="50" dirty="0">
+              <a:rPr lang="ko-KR" altLang="en-US" sz="5400" b="1" cap="none" spc="50">
                 <a:ln w="9525" cmpd="sng">
                   <a:solidFill>
                     <a:schemeClr val="accent1"/>
@@ -3188,7 +3159,7 @@
                   <a:prstDash val="solid"/>
                 </a:ln>
                 <a:solidFill>
-                  <a:srgbClr val="70AD47">
+                  <a:srgbClr val="70ad47">
                     <a:tint val="1000"/>
                   </a:srgbClr>
                 </a:solidFill>
@@ -3203,7 +3174,7 @@
               <a:t>퍼센트 할인 받는 법</a:t>
             </a:r>
             <a:r>
-              <a:rPr lang="en-US" altLang="ko-KR" sz="5400" b="1" cap="none" spc="50" dirty="0">
+              <a:rPr lang="en-US" altLang="ko-KR" sz="5400" b="1" cap="none" spc="50">
                 <a:ln w="9525" cmpd="sng">
                   <a:solidFill>
                     <a:schemeClr val="accent1"/>
@@ -3211,7 +3182,7 @@
                   <a:prstDash val="solid"/>
                 </a:ln>
                 <a:solidFill>
-                  <a:srgbClr val="70AD47">
+                  <a:srgbClr val="70ad47">
                     <a:tint val="1000"/>
                   </a:srgbClr>
                 </a:solidFill>
@@ -3225,7 +3196,7 @@
               </a:rPr>
               <a:t>?</a:t>
             </a:r>
-            <a:endParaRPr lang="ko-KR" altLang="en-US" sz="5400" b="1" cap="none" spc="50" dirty="0">
+            <a:endParaRPr lang="ko-KR" altLang="en-US" sz="5400" b="1" cap="none" spc="50">
               <a:ln w="9525" cmpd="sng">
                 <a:solidFill>
                   <a:schemeClr val="accent1"/>
@@ -3233,7 +3204,7 @@
                 <a:prstDash val="solid"/>
               </a:ln>
               <a:solidFill>
-                <a:srgbClr val="70AD47">
+                <a:srgbClr val="70ad47">
                   <a:tint val="1000"/>
                 </a:srgbClr>
               </a:solidFill>
@@ -3250,30 +3221,20 @@
       </p:sp>
       <p:pic>
         <p:nvPicPr>
-          <p:cNvPr id="13" name="Picture 2" descr="경기지역화폐 - Google Play 앱">
-            <a:extLst>
-              <a:ext uri="{FF2B5EF4-FFF2-40B4-BE49-F238E27FC236}">
-                <a16:creationId xmlns:a16="http://schemas.microsoft.com/office/drawing/2014/main" id="{6BAAC37A-AA29-4AE5-0722-FAC8C92E6976}"/>
-              </a:ext>
-            </a:extLst>
-          </p:cNvPr>
+          <p:cNvPr id="13" name="Picture 2" descr="경기지역화폐 - Google Play 앱"/>
           <p:cNvPicPr>
             <a:picLocks noChangeAspect="1" noChangeArrowheads="1"/>
           </p:cNvPicPr>
           <p:nvPr/>
         </p:nvPicPr>
         <p:blipFill rotWithShape="1">
-          <a:blip r:embed="rId2">
-            <a:extLst>
-              <a:ext uri="{28A0092B-C50C-407E-A947-70E740481C1C}">
-                <a14:useLocalDpi xmlns:a14="http://schemas.microsoft.com/office/drawing/2010/main" val="0"/>
-              </a:ext>
-            </a:extLst>
-          </a:blip>
-          <a:srcRect b="89379"/>
-          <a:stretch/>
+          <a:blip r:embed="rId3"/>
+          <a:srcRect b="89380"/>
+          <a:stretch>
+            <a:fillRect/>
+          </a:stretch>
         </p:blipFill>
-        <p:spPr bwMode="auto">
+        <p:spPr>
           <a:xfrm>
             <a:off x="-12575" y="6500284"/>
             <a:ext cx="9161499" cy="357716"/>
@@ -3282,27 +3243,21 @@
             <a:avLst/>
           </a:prstGeom>
           <a:noFill/>
-          <a:extLst>
-            <a:ext uri="{909E8E84-426E-40DD-AFC4-6F175D3DCCD1}">
-              <a14:hiddenFill xmlns:a14="http://schemas.microsoft.com/office/drawing/2010/main">
-                <a:solidFill>
-                  <a:srgbClr val="FFFFFF"/>
-                </a:solidFill>
-              </a14:hiddenFill>
-            </a:ext>
-          </a:extLst>
         </p:spPr>
       </p:pic>
     </p:spTree>
-    <p:extLst>
-      <p:ext uri="{BB962C8B-B14F-4D97-AF65-F5344CB8AC3E}">
-        <p14:creationId xmlns:p14="http://schemas.microsoft.com/office/powerpoint/2010/main" val="1226656376"/>
-      </p:ext>
-    </p:extLst>
   </p:cSld>
   <p:clrMapOvr>
     <a:masterClrMapping/>
   </p:clrMapOvr>
+  <mc:AlternateContent xmlns:mc="http://schemas.openxmlformats.org/markup-compatibility/2006">
+    <mc:Choice xmlns:p14="http://schemas.microsoft.com/office/powerpoint/2010/main" Requires="p14">
+      <p:transition xmlns:mc="http://schemas.openxmlformats.org/markup-compatibility/2006" xmlns:p14="http://schemas.microsoft.com/office/powerpoint/2010/main" mc:Ignorable="p14" p14:dur="500"/>
+    </mc:Choice>
+    <mc:Fallback>
+      <p:transition/>
+    </mc:Fallback>
+  </mc:AlternateContent>
 </p:sld>
 </file>
 
@@ -3840,6 +3795,115 @@
 </file>
 
 <file path=ppt/slides/slide3.xml><?xml version="1.0" encoding="utf-8"?>
+<p:sld xmlns:r="http://schemas.openxmlformats.org/officeDocument/2006/relationships" xmlns:c="http://schemas.openxmlformats.org/drawingml/2006/chart" xmlns:a="http://schemas.openxmlformats.org/drawingml/2006/main" xmlns:dgm="http://schemas.openxmlformats.org/drawingml/2006/diagram" xmlns:dsp="http://schemas.microsoft.com/office/drawing/2008/diagram" xmlns:p="http://schemas.openxmlformats.org/presentationml/2006/main">
+  <p:cSld>
+    <p:spTree>
+      <p:nvGrpSpPr>
+        <p:cNvPr id="1" name=""/>
+        <p:cNvGrpSpPr/>
+        <p:nvPr/>
+      </p:nvGrpSpPr>
+      <p:grpSpPr>
+        <a:xfrm>
+          <a:off x="0" y="0"/>
+          <a:ext cx="0" cy="0"/>
+          <a:chOff x="0" y="0"/>
+          <a:chExt cx="0" cy="0"/>
+        </a:xfrm>
+      </p:grpSpPr>
+      <p:sp>
+        <p:nvSpPr>
+          <p:cNvPr id="2" name="Title 1"/>
+          <p:cNvSpPr>
+            <a:spLocks noGrp="1"/>
+          </p:cNvSpPr>
+          <p:nvPr>
+            <p:ph type="title" idx="0"/>
+          </p:nvPr>
+        </p:nvSpPr>
+        <p:spPr/>
+        <p:txBody>
+          <a:bodyPr/>
+          <a:lstStyle/>
+          <a:p>
+            <a:pPr>
+              <a:defRPr lang="ko-KR" altLang="en-US"/>
+            </a:pPr>
+            <a:r>
+              <a:rPr lang="ko-KR" altLang="en-US"/>
+              <a:t/>
+            </a:r>
+            <a:endParaRPr lang="ko-KR" altLang="en-US"/>
+          </a:p>
+        </p:txBody>
+      </p:sp>
+      <p:sp>
+        <p:nvSpPr>
+          <p:cNvPr id="3" name="Content Placeholder 2"/>
+          <p:cNvSpPr>
+            <a:spLocks noGrp="1"/>
+          </p:cNvSpPr>
+          <p:nvPr>
+            <p:ph idx="1"/>
+          </p:nvPr>
+        </p:nvSpPr>
+        <p:spPr/>
+        <p:txBody>
+          <a:bodyPr/>
+          <a:lstStyle/>
+          <a:p>
+            <a:pPr>
+              <a:defRPr lang="ko-KR" altLang="en-US"/>
+            </a:pPr>
+            <a:r>
+              <a:rPr lang="ko-KR" altLang="en-US"/>
+              <a:t/>
+            </a:r>
+            <a:endParaRPr lang="ko-KR" altLang="en-US"/>
+          </a:p>
+        </p:txBody>
+      </p:sp>
+      <p:pic>
+        <p:nvPicPr>
+          <p:cNvPr id="4" name=""/>
+          <p:cNvPicPr>
+            <a:picLocks noChangeAspect="1"/>
+          </p:cNvPicPr>
+          <p:nvPr/>
+        </p:nvPicPr>
+        <p:blipFill rotWithShape="1">
+          <a:blip r:embed="rId2"/>
+          <a:stretch>
+            <a:fillRect/>
+          </a:stretch>
+        </p:blipFill>
+        <p:spPr>
+          <a:xfrm>
+            <a:off x="1714500" y="2386012"/>
+            <a:ext cx="5715000" cy="2085975"/>
+          </a:xfrm>
+          <a:prstGeom prst="rect">
+            <a:avLst/>
+          </a:prstGeom>
+        </p:spPr>
+      </p:pic>
+    </p:spTree>
+  </p:cSld>
+  <p:clrMapOvr>
+    <a:masterClrMapping/>
+  </p:clrMapOvr>
+  <mc:AlternateContent xmlns:mc="http://schemas.openxmlformats.org/markup-compatibility/2006">
+    <mc:Choice xmlns:p14="http://schemas.microsoft.com/office/powerpoint/2010/main" Requires="p14">
+      <p:transition xmlns:mc="http://schemas.openxmlformats.org/markup-compatibility/2006" xmlns:p14="http://schemas.microsoft.com/office/powerpoint/2010/main" mc:Ignorable="p14" p14:dur="500"/>
+    </mc:Choice>
+    <mc:Fallback>
+      <p:transition/>
+    </mc:Fallback>
+  </mc:AlternateContent>
+</p:sld>
+</file>
+
+<file path=ppt/slides/slide4.xml><?xml version="1.0" encoding="utf-8"?>
 <p:sld xmlns:r="http://schemas.openxmlformats.org/officeDocument/2006/relationships" xmlns:c="http://schemas.openxmlformats.org/drawingml/2006/chart" xmlns:a="http://schemas.openxmlformats.org/drawingml/2006/main" xmlns:dgm="http://schemas.openxmlformats.org/drawingml/2006/diagram" xmlns:dsp="http://schemas.microsoft.com/office/drawing/2008/diagram" xmlns:p="http://schemas.openxmlformats.org/presentationml/2006/main">
   <p:cSld>
     <p:spTree>
